--- a/IS/Rapport 4. Conception détaillé.pptx
+++ b/IS/Rapport 4. Conception détaillé.pptx
@@ -234,7 +234,7 @@
             <a:pPr rtl="0"/>
             <a:fld id="{D8A00FFB-004C-4DD3-B844-919879EB20B3}" type="datetime1">
               <a:rPr lang="fr-FR" smtClean="0"/>
-              <a:t>28/11/2023</a:t>
+              <a:t>29/11/2023</a:t>
             </a:fld>
             <a:endParaRPr lang="fr-FR"/>
           </a:p>
@@ -416,7 +416,7 @@
             <a:pPr rtl="0"/>
             <a:fld id="{431B7C63-1C5E-4750-B578-54929C1B486A}" type="datetime1">
               <a:rPr lang="fr-FR" noProof="0" smtClean="0"/>
-              <a:t>28/11/2023</a:t>
+              <a:t>29/11/2023</a:t>
             </a:fld>
             <a:endParaRPr lang="fr-FR" noProof="0"/>
           </a:p>
@@ -7959,6 +7959,58 @@
           </a:prstGeom>
         </p:spPr>
       </p:pic>
+      <p:sp>
+        <p:nvSpPr>
+          <p:cNvPr id="2" name="ZoneTexte 1">
+            <a:extLst>
+              <a:ext uri="{FF2B5EF4-FFF2-40B4-BE49-F238E27FC236}">
+                <a16:creationId xmlns:a16="http://schemas.microsoft.com/office/drawing/2014/main" id="{B0B1C496-8EEC-E826-E64D-A00C1CE7301B}"/>
+              </a:ext>
+            </a:extLst>
+          </p:cNvPr>
+          <p:cNvSpPr txBox="1"/>
+          <p:nvPr/>
+        </p:nvSpPr>
+        <p:spPr>
+          <a:xfrm>
+            <a:off x="139148" y="152400"/>
+            <a:ext cx="4306956" cy="369332"/>
+          </a:xfrm>
+          <a:prstGeom prst="rect">
+            <a:avLst/>
+          </a:prstGeom>
+          <a:noFill/>
+        </p:spPr>
+        <p:txBody>
+          <a:bodyPr wrap="square" rtlCol="0">
+            <a:spAutoFit/>
+          </a:bodyPr>
+          <a:lstStyle/>
+          <a:p>
+            <a:r>
+              <a:rPr lang="en-US" b="1" dirty="0">
+                <a:solidFill>
+                  <a:schemeClr val="bg1"/>
+                </a:solidFill>
+              </a:rPr>
+              <a:t>Recherche &amp; </a:t>
+            </a:r>
+            <a:r>
+              <a:rPr lang="en-US" b="1" dirty="0" err="1">
+                <a:solidFill>
+                  <a:schemeClr val="bg1"/>
+                </a:solidFill>
+              </a:rPr>
+              <a:t>développement</a:t>
+            </a:r>
+            <a:endParaRPr lang="en-US" b="1" dirty="0">
+              <a:solidFill>
+                <a:schemeClr val="bg1"/>
+              </a:solidFill>
+            </a:endParaRPr>
+          </a:p>
+        </p:txBody>
+      </p:sp>
     </p:spTree>
     <p:extLst>
       <p:ext uri="{BB962C8B-B14F-4D97-AF65-F5344CB8AC3E}">
@@ -7969,13 +8021,13 @@
   <p:clrMapOvr>
     <a:masterClrMapping/>
   </p:clrMapOvr>
-  <mc:AlternateContent xmlns:mc="http://schemas.openxmlformats.org/markup-compatibility/2006">
-    <mc:Choice xmlns:p159="http://schemas.microsoft.com/office/powerpoint/2015/09/main" Requires="p159">
+  <mc:AlternateContent xmlns:mc="http://schemas.openxmlformats.org/markup-compatibility/2006" xmlns:p159="http://schemas.microsoft.com/office/powerpoint/2015/09/main">
+    <mc:Choice Requires="p159">
       <p:transition xmlns:p14="http://schemas.microsoft.com/office/powerpoint/2010/main" spd="slow" p14:dur="2000">
         <p159:morph option="byObject"/>
       </p:transition>
     </mc:Choice>
-    <mc:Fallback>
+    <mc:Fallback xmlns="">
       <p:transition spd="slow">
         <p:fade/>
       </p:transition>
@@ -8160,14 +8212,77 @@
         </p:blipFill>
         <p:spPr>
           <a:xfrm>
-            <a:off x="1027573" y="53009"/>
-            <a:ext cx="9994701" cy="7108495"/>
+            <a:off x="1027573" y="540610"/>
+            <a:ext cx="9309123" cy="6620894"/>
           </a:xfrm>
           <a:prstGeom prst="rect">
             <a:avLst/>
           </a:prstGeom>
         </p:spPr>
       </p:pic>
+      <p:sp>
+        <p:nvSpPr>
+          <p:cNvPr id="2" name="ZoneTexte 1">
+            <a:extLst>
+              <a:ext uri="{FF2B5EF4-FFF2-40B4-BE49-F238E27FC236}">
+                <a16:creationId xmlns:a16="http://schemas.microsoft.com/office/drawing/2014/main" id="{A0758194-C9F6-2E7D-F652-D4B17D755330}"/>
+              </a:ext>
+            </a:extLst>
+          </p:cNvPr>
+          <p:cNvSpPr txBox="1"/>
+          <p:nvPr/>
+        </p:nvSpPr>
+        <p:spPr>
+          <a:xfrm>
+            <a:off x="139148" y="152400"/>
+            <a:ext cx="4306956" cy="369332"/>
+          </a:xfrm>
+          <a:prstGeom prst="rect">
+            <a:avLst/>
+          </a:prstGeom>
+          <a:noFill/>
+        </p:spPr>
+        <p:txBody>
+          <a:bodyPr wrap="square" rtlCol="0">
+            <a:spAutoFit/>
+          </a:bodyPr>
+          <a:lstStyle/>
+          <a:p>
+            <a:r>
+              <a:rPr lang="en-US" b="1" dirty="0" err="1">
+                <a:solidFill>
+                  <a:schemeClr val="bg1"/>
+                </a:solidFill>
+              </a:rPr>
+              <a:t>Détection</a:t>
+            </a:r>
+            <a:r>
+              <a:rPr lang="en-US" b="1" dirty="0">
+                <a:solidFill>
+                  <a:schemeClr val="bg1"/>
+                </a:solidFill>
+              </a:rPr>
+              <a:t> </a:t>
+            </a:r>
+            <a:r>
+              <a:rPr lang="en-US" b="1" dirty="0" err="1">
+                <a:solidFill>
+                  <a:schemeClr val="bg1"/>
+                </a:solidFill>
+              </a:rPr>
+              <a:t>d’une</a:t>
+            </a:r>
+            <a:r>
+              <a:rPr lang="en-US" b="1" dirty="0">
+                <a:solidFill>
+                  <a:schemeClr val="bg1"/>
+                </a:solidFill>
+              </a:rPr>
+              <a:t> catastrophe</a:t>
+            </a:r>
+          </a:p>
+        </p:txBody>
+      </p:sp>
     </p:spTree>
     <p:extLst>
       <p:ext uri="{BB962C8B-B14F-4D97-AF65-F5344CB8AC3E}">
@@ -8178,13 +8293,13 @@
   <p:clrMapOvr>
     <a:masterClrMapping/>
   </p:clrMapOvr>
-  <mc:AlternateContent xmlns:mc="http://schemas.openxmlformats.org/markup-compatibility/2006">
-    <mc:Choice xmlns:p159="http://schemas.microsoft.com/office/powerpoint/2015/09/main" Requires="p159">
+  <mc:AlternateContent xmlns:mc="http://schemas.openxmlformats.org/markup-compatibility/2006" xmlns:p159="http://schemas.microsoft.com/office/powerpoint/2015/09/main">
+    <mc:Choice Requires="p159">
       <p:transition xmlns:p14="http://schemas.microsoft.com/office/powerpoint/2010/main" spd="slow" p14:dur="2000">
         <p159:morph option="byObject"/>
       </p:transition>
     </mc:Choice>
-    <mc:Fallback>
+    <mc:Fallback xmlns="">
       <p:transition spd="slow">
         <p:fade/>
       </p:transition>
@@ -8369,7 +8484,7 @@
         </p:blipFill>
         <p:spPr>
           <a:xfrm>
-            <a:off x="1380549" y="446189"/>
+            <a:off x="1332423" y="576818"/>
             <a:ext cx="14844894" cy="10558080"/>
           </a:xfrm>
           <a:prstGeom prst="rect">
@@ -8377,6 +8492,69 @@
           </a:prstGeom>
         </p:spPr>
       </p:pic>
+      <p:sp>
+        <p:nvSpPr>
+          <p:cNvPr id="2" name="ZoneTexte 1">
+            <a:extLst>
+              <a:ext uri="{FF2B5EF4-FFF2-40B4-BE49-F238E27FC236}">
+                <a16:creationId xmlns:a16="http://schemas.microsoft.com/office/drawing/2014/main" id="{D3858905-93E0-F45D-948A-05231DDA9ED8}"/>
+              </a:ext>
+            </a:extLst>
+          </p:cNvPr>
+          <p:cNvSpPr txBox="1"/>
+          <p:nvPr/>
+        </p:nvSpPr>
+        <p:spPr>
+          <a:xfrm>
+            <a:off x="139148" y="152400"/>
+            <a:ext cx="4306956" cy="369332"/>
+          </a:xfrm>
+          <a:prstGeom prst="rect">
+            <a:avLst/>
+          </a:prstGeom>
+          <a:noFill/>
+        </p:spPr>
+        <p:txBody>
+          <a:bodyPr wrap="square" rtlCol="0">
+            <a:spAutoFit/>
+          </a:bodyPr>
+          <a:lstStyle/>
+          <a:p>
+            <a:r>
+              <a:rPr lang="en-US" b="1" dirty="0" err="1">
+                <a:solidFill>
+                  <a:schemeClr val="bg1"/>
+                </a:solidFill>
+              </a:rPr>
+              <a:t>Détection</a:t>
+            </a:r>
+            <a:r>
+              <a:rPr lang="en-US" b="1" dirty="0">
+                <a:solidFill>
+                  <a:schemeClr val="bg1"/>
+                </a:solidFill>
+              </a:rPr>
+              <a:t> </a:t>
+            </a:r>
+            <a:r>
+              <a:rPr lang="en-US" b="1" dirty="0" err="1">
+                <a:solidFill>
+                  <a:schemeClr val="bg1"/>
+                </a:solidFill>
+              </a:rPr>
+              <a:t>d’une</a:t>
+            </a:r>
+            <a:r>
+              <a:rPr lang="en-US" b="1" dirty="0">
+                <a:solidFill>
+                  <a:schemeClr val="bg1"/>
+                </a:solidFill>
+              </a:rPr>
+              <a:t> catastrophe</a:t>
+            </a:r>
+          </a:p>
+        </p:txBody>
+      </p:sp>
     </p:spTree>
     <p:extLst>
       <p:ext uri="{BB962C8B-B14F-4D97-AF65-F5344CB8AC3E}">
@@ -8387,13 +8565,13 @@
   <p:clrMapOvr>
     <a:masterClrMapping/>
   </p:clrMapOvr>
-  <mc:AlternateContent xmlns:mc="http://schemas.openxmlformats.org/markup-compatibility/2006">
-    <mc:Choice xmlns:p159="http://schemas.microsoft.com/office/powerpoint/2015/09/main" Requires="p159">
+  <mc:AlternateContent xmlns:mc="http://schemas.openxmlformats.org/markup-compatibility/2006" xmlns:p159="http://schemas.microsoft.com/office/powerpoint/2015/09/main">
+    <mc:Choice Requires="p159">
       <p:transition xmlns:p14="http://schemas.microsoft.com/office/powerpoint/2010/main" spd="slow" p14:dur="2000">
         <p159:morph option="byObject"/>
       </p:transition>
     </mc:Choice>
-    <mc:Fallback>
+    <mc:Fallback xmlns="">
       <p:transition spd="slow">
         <p:fade/>
       </p:transition>
@@ -8578,7 +8756,7 @@
         </p:blipFill>
         <p:spPr>
           <a:xfrm>
-            <a:off x="-3954597" y="0"/>
+            <a:off x="-3940847" y="674132"/>
             <a:ext cx="14844894" cy="10558080"/>
           </a:xfrm>
           <a:prstGeom prst="rect">
@@ -8586,6 +8764,69 @@
           </a:prstGeom>
         </p:spPr>
       </p:pic>
+      <p:sp>
+        <p:nvSpPr>
+          <p:cNvPr id="2" name="ZoneTexte 1">
+            <a:extLst>
+              <a:ext uri="{FF2B5EF4-FFF2-40B4-BE49-F238E27FC236}">
+                <a16:creationId xmlns:a16="http://schemas.microsoft.com/office/drawing/2014/main" id="{24793D0B-9C14-DFA3-1468-5DD9C591A3BE}"/>
+              </a:ext>
+            </a:extLst>
+          </p:cNvPr>
+          <p:cNvSpPr txBox="1"/>
+          <p:nvPr/>
+        </p:nvSpPr>
+        <p:spPr>
+          <a:xfrm>
+            <a:off x="139148" y="152400"/>
+            <a:ext cx="4306956" cy="369332"/>
+          </a:xfrm>
+          <a:prstGeom prst="rect">
+            <a:avLst/>
+          </a:prstGeom>
+          <a:noFill/>
+        </p:spPr>
+        <p:txBody>
+          <a:bodyPr wrap="square" rtlCol="0">
+            <a:spAutoFit/>
+          </a:bodyPr>
+          <a:lstStyle/>
+          <a:p>
+            <a:r>
+              <a:rPr lang="en-US" b="1" dirty="0" err="1">
+                <a:solidFill>
+                  <a:schemeClr val="bg1"/>
+                </a:solidFill>
+              </a:rPr>
+              <a:t>Détection</a:t>
+            </a:r>
+            <a:r>
+              <a:rPr lang="en-US" b="1" dirty="0">
+                <a:solidFill>
+                  <a:schemeClr val="bg1"/>
+                </a:solidFill>
+              </a:rPr>
+              <a:t> </a:t>
+            </a:r>
+            <a:r>
+              <a:rPr lang="en-US" b="1" dirty="0" err="1">
+                <a:solidFill>
+                  <a:schemeClr val="bg1"/>
+                </a:solidFill>
+              </a:rPr>
+              <a:t>d’une</a:t>
+            </a:r>
+            <a:r>
+              <a:rPr lang="en-US" b="1" dirty="0">
+                <a:solidFill>
+                  <a:schemeClr val="bg1"/>
+                </a:solidFill>
+              </a:rPr>
+              <a:t> catastrophe</a:t>
+            </a:r>
+          </a:p>
+        </p:txBody>
+      </p:sp>
     </p:spTree>
     <p:extLst>
       <p:ext uri="{BB962C8B-B14F-4D97-AF65-F5344CB8AC3E}">
@@ -8596,13 +8837,13 @@
   <p:clrMapOvr>
     <a:masterClrMapping/>
   </p:clrMapOvr>
-  <mc:AlternateContent xmlns:mc="http://schemas.openxmlformats.org/markup-compatibility/2006">
-    <mc:Choice xmlns:p159="http://schemas.microsoft.com/office/powerpoint/2015/09/main" Requires="p159">
+  <mc:AlternateContent xmlns:mc="http://schemas.openxmlformats.org/markup-compatibility/2006" xmlns:p159="http://schemas.microsoft.com/office/powerpoint/2015/09/main">
+    <mc:Choice Requires="p159">
       <p:transition xmlns:p14="http://schemas.microsoft.com/office/powerpoint/2010/main" spd="slow" p14:dur="2000">
         <p159:morph option="byObject"/>
       </p:transition>
     </mc:Choice>
-    <mc:Fallback>
+    <mc:Fallback xmlns="">
       <p:transition spd="slow">
         <p:fade/>
       </p:transition>
@@ -8805,13 +9046,13 @@
   <p:clrMapOvr>
     <a:masterClrMapping/>
   </p:clrMapOvr>
-  <mc:AlternateContent xmlns:mc="http://schemas.openxmlformats.org/markup-compatibility/2006">
-    <mc:Choice xmlns:p159="http://schemas.microsoft.com/office/powerpoint/2015/09/main" Requires="p159">
+  <mc:AlternateContent xmlns:mc="http://schemas.openxmlformats.org/markup-compatibility/2006" xmlns:p159="http://schemas.microsoft.com/office/powerpoint/2015/09/main">
+    <mc:Choice Requires="p159">
       <p:transition xmlns:p14="http://schemas.microsoft.com/office/powerpoint/2010/main" spd="slow" p14:dur="2000">
         <p159:morph option="byObject"/>
       </p:transition>
     </mc:Choice>
-    <mc:Fallback>
+    <mc:Fallback xmlns="">
       <p:transition spd="slow">
         <p:fade/>
       </p:transition>
@@ -8996,14 +9237,77 @@
         </p:blipFill>
         <p:spPr>
           <a:xfrm>
-            <a:off x="689113" y="52129"/>
-            <a:ext cx="10710848" cy="7138154"/>
+            <a:off x="1236039" y="532640"/>
+            <a:ext cx="9719922" cy="6477760"/>
           </a:xfrm>
           <a:prstGeom prst="rect">
             <a:avLst/>
           </a:prstGeom>
         </p:spPr>
       </p:pic>
+      <p:sp>
+        <p:nvSpPr>
+          <p:cNvPr id="2" name="ZoneTexte 1">
+            <a:extLst>
+              <a:ext uri="{FF2B5EF4-FFF2-40B4-BE49-F238E27FC236}">
+                <a16:creationId xmlns:a16="http://schemas.microsoft.com/office/drawing/2014/main" id="{8FAE13BC-8E99-8461-81CA-77F3174EF9A0}"/>
+              </a:ext>
+            </a:extLst>
+          </p:cNvPr>
+          <p:cNvSpPr txBox="1"/>
+          <p:nvPr/>
+        </p:nvSpPr>
+        <p:spPr>
+          <a:xfrm>
+            <a:off x="139148" y="152400"/>
+            <a:ext cx="4306956" cy="369332"/>
+          </a:xfrm>
+          <a:prstGeom prst="rect">
+            <a:avLst/>
+          </a:prstGeom>
+          <a:noFill/>
+        </p:spPr>
+        <p:txBody>
+          <a:bodyPr wrap="square" rtlCol="0">
+            <a:spAutoFit/>
+          </a:bodyPr>
+          <a:lstStyle/>
+          <a:p>
+            <a:r>
+              <a:rPr lang="en-US" b="1" dirty="0" err="1">
+                <a:solidFill>
+                  <a:schemeClr val="bg1"/>
+                </a:solidFill>
+              </a:rPr>
+              <a:t>Affrontement</a:t>
+            </a:r>
+            <a:r>
+              <a:rPr lang="en-US" b="1" dirty="0">
+                <a:solidFill>
+                  <a:schemeClr val="bg1"/>
+                </a:solidFill>
+              </a:rPr>
+              <a:t> </a:t>
+            </a:r>
+            <a:r>
+              <a:rPr lang="en-US" b="1" dirty="0" err="1">
+                <a:solidFill>
+                  <a:schemeClr val="bg1"/>
+                </a:solidFill>
+              </a:rPr>
+              <a:t>d’une</a:t>
+            </a:r>
+            <a:r>
+              <a:rPr lang="en-US" b="1" dirty="0">
+                <a:solidFill>
+                  <a:schemeClr val="bg1"/>
+                </a:solidFill>
+              </a:rPr>
+              <a:t> catastrophe</a:t>
+            </a:r>
+          </a:p>
+        </p:txBody>
+      </p:sp>
     </p:spTree>
     <p:extLst>
       <p:ext uri="{BB962C8B-B14F-4D97-AF65-F5344CB8AC3E}">
@@ -9014,13 +9318,13 @@
   <p:clrMapOvr>
     <a:masterClrMapping/>
   </p:clrMapOvr>
-  <mc:AlternateContent xmlns:mc="http://schemas.openxmlformats.org/markup-compatibility/2006">
-    <mc:Choice xmlns:p159="http://schemas.microsoft.com/office/powerpoint/2015/09/main" Requires="p159">
+  <mc:AlternateContent xmlns:mc="http://schemas.openxmlformats.org/markup-compatibility/2006" xmlns:p159="http://schemas.microsoft.com/office/powerpoint/2015/09/main">
+    <mc:Choice Requires="p159">
       <p:transition xmlns:p14="http://schemas.microsoft.com/office/powerpoint/2010/main" spd="slow" p14:dur="2000">
         <p159:morph option="byObject"/>
       </p:transition>
     </mc:Choice>
-    <mc:Fallback>
+    <mc:Fallback xmlns="">
       <p:transition spd="slow">
         <p:fade/>
       </p:transition>
@@ -9060,7 +9364,7 @@
         </p:nvSpPr>
         <p:spPr>
           <a:xfrm>
-            <a:off x="0" y="0"/>
+            <a:off x="0" y="-14981"/>
             <a:ext cx="12192000" cy="6858000"/>
           </a:xfrm>
           <a:prstGeom prst="rect">
@@ -9205,7 +9509,7 @@
         </p:blipFill>
         <p:spPr>
           <a:xfrm>
-            <a:off x="101087" y="350635"/>
+            <a:off x="0" y="625642"/>
             <a:ext cx="14186452" cy="9454441"/>
           </a:xfrm>
           <a:prstGeom prst="rect">
@@ -9213,6 +9517,69 @@
           </a:prstGeom>
         </p:spPr>
       </p:pic>
+      <p:sp>
+        <p:nvSpPr>
+          <p:cNvPr id="2" name="ZoneTexte 1">
+            <a:extLst>
+              <a:ext uri="{FF2B5EF4-FFF2-40B4-BE49-F238E27FC236}">
+                <a16:creationId xmlns:a16="http://schemas.microsoft.com/office/drawing/2014/main" id="{3FC3CC6B-344C-6251-186A-F850EFA5DA90}"/>
+              </a:ext>
+            </a:extLst>
+          </p:cNvPr>
+          <p:cNvSpPr txBox="1"/>
+          <p:nvPr/>
+        </p:nvSpPr>
+        <p:spPr>
+          <a:xfrm>
+            <a:off x="139148" y="152400"/>
+            <a:ext cx="4306956" cy="369332"/>
+          </a:xfrm>
+          <a:prstGeom prst="rect">
+            <a:avLst/>
+          </a:prstGeom>
+          <a:noFill/>
+        </p:spPr>
+        <p:txBody>
+          <a:bodyPr wrap="square" rtlCol="0">
+            <a:spAutoFit/>
+          </a:bodyPr>
+          <a:lstStyle/>
+          <a:p>
+            <a:r>
+              <a:rPr lang="en-US" b="1" dirty="0" err="1">
+                <a:solidFill>
+                  <a:schemeClr val="bg1"/>
+                </a:solidFill>
+              </a:rPr>
+              <a:t>Affrontement</a:t>
+            </a:r>
+            <a:r>
+              <a:rPr lang="en-US" b="1" dirty="0">
+                <a:solidFill>
+                  <a:schemeClr val="bg1"/>
+                </a:solidFill>
+              </a:rPr>
+              <a:t> </a:t>
+            </a:r>
+            <a:r>
+              <a:rPr lang="en-US" b="1" dirty="0" err="1">
+                <a:solidFill>
+                  <a:schemeClr val="bg1"/>
+                </a:solidFill>
+              </a:rPr>
+              <a:t>d’une</a:t>
+            </a:r>
+            <a:r>
+              <a:rPr lang="en-US" b="1" dirty="0">
+                <a:solidFill>
+                  <a:schemeClr val="bg1"/>
+                </a:solidFill>
+              </a:rPr>
+              <a:t> catastrophe</a:t>
+            </a:r>
+          </a:p>
+        </p:txBody>
+      </p:sp>
     </p:spTree>
     <p:extLst>
       <p:ext uri="{BB962C8B-B14F-4D97-AF65-F5344CB8AC3E}">
@@ -9223,13 +9590,13 @@
   <p:clrMapOvr>
     <a:masterClrMapping/>
   </p:clrMapOvr>
-  <mc:AlternateContent xmlns:mc="http://schemas.openxmlformats.org/markup-compatibility/2006">
-    <mc:Choice xmlns:p159="http://schemas.microsoft.com/office/powerpoint/2015/09/main" Requires="p159">
+  <mc:AlternateContent xmlns:mc="http://schemas.openxmlformats.org/markup-compatibility/2006" xmlns:p159="http://schemas.microsoft.com/office/powerpoint/2015/09/main">
+    <mc:Choice Requires="p159">
       <p:transition xmlns:p14="http://schemas.microsoft.com/office/powerpoint/2010/main" spd="slow" p14:dur="2000">
         <p159:morph option="byObject"/>
       </p:transition>
     </mc:Choice>
-    <mc:Fallback>
+    <mc:Fallback xmlns="">
       <p:transition spd="slow">
         <p:fade/>
       </p:transition>
@@ -9432,13 +9799,13 @@
   <p:clrMapOvr>
     <a:masterClrMapping/>
   </p:clrMapOvr>
-  <mc:AlternateContent xmlns:mc="http://schemas.openxmlformats.org/markup-compatibility/2006">
-    <mc:Choice xmlns:p159="http://schemas.microsoft.com/office/powerpoint/2015/09/main" Requires="p159">
+  <mc:AlternateContent xmlns:mc="http://schemas.openxmlformats.org/markup-compatibility/2006" xmlns:p159="http://schemas.microsoft.com/office/powerpoint/2015/09/main">
+    <mc:Choice Requires="p159">
       <p:transition xmlns:p14="http://schemas.microsoft.com/office/powerpoint/2010/main" spd="slow" p14:dur="2000">
         <p159:morph option="byObject"/>
       </p:transition>
     </mc:Choice>
-    <mc:Fallback>
+    <mc:Fallback xmlns="">
       <p:transition spd="slow">
         <p:fade/>
       </p:transition>
@@ -10311,13 +10678,13 @@
   <p:clrMapOvr>
     <a:masterClrMapping/>
   </p:clrMapOvr>
-  <mc:AlternateContent xmlns:mc="http://schemas.openxmlformats.org/markup-compatibility/2006">
-    <mc:Choice xmlns:p159="http://schemas.microsoft.com/office/powerpoint/2015/09/main" Requires="p159">
+  <mc:AlternateContent xmlns:mc="http://schemas.openxmlformats.org/markup-compatibility/2006" xmlns:p159="http://schemas.microsoft.com/office/powerpoint/2015/09/main">
+    <mc:Choice Requires="p159">
       <p:transition xmlns:p14="http://schemas.microsoft.com/office/powerpoint/2010/main" spd="slow" p14:dur="2000">
         <p159:morph option="byObject"/>
       </p:transition>
     </mc:Choice>
-    <mc:Fallback>
+    <mc:Fallback xmlns="">
       <p:transition spd="slow">
         <p:fade/>
       </p:transition>
@@ -10520,13 +10887,13 @@
   <p:clrMapOvr>
     <a:masterClrMapping/>
   </p:clrMapOvr>
-  <mc:AlternateContent xmlns:mc="http://schemas.openxmlformats.org/markup-compatibility/2006">
-    <mc:Choice xmlns:p159="http://schemas.microsoft.com/office/powerpoint/2015/09/main" Requires="p159">
+  <mc:AlternateContent xmlns:mc="http://schemas.openxmlformats.org/markup-compatibility/2006" xmlns:p159="http://schemas.microsoft.com/office/powerpoint/2015/09/main">
+    <mc:Choice Requires="p159">
       <p:transition xmlns:p14="http://schemas.microsoft.com/office/powerpoint/2010/main" spd="slow" p14:dur="2000">
         <p159:morph option="byObject"/>
       </p:transition>
     </mc:Choice>
-    <mc:Fallback>
+    <mc:Fallback xmlns="">
       <p:transition spd="slow">
         <p:fade/>
       </p:transition>
@@ -10729,13 +11096,13 @@
   <p:clrMapOvr>
     <a:masterClrMapping/>
   </p:clrMapOvr>
-  <mc:AlternateContent xmlns:mc="http://schemas.openxmlformats.org/markup-compatibility/2006">
-    <mc:Choice xmlns:p159="http://schemas.microsoft.com/office/powerpoint/2015/09/main" Requires="p159">
+  <mc:AlternateContent xmlns:mc="http://schemas.openxmlformats.org/markup-compatibility/2006" xmlns:p159="http://schemas.microsoft.com/office/powerpoint/2015/09/main">
+    <mc:Choice Requires="p159">
       <p:transition xmlns:p14="http://schemas.microsoft.com/office/powerpoint/2010/main" spd="slow" p14:dur="2000">
         <p159:morph option="byObject"/>
       </p:transition>
     </mc:Choice>
-    <mc:Fallback>
+    <mc:Fallback xmlns="">
       <p:transition spd="slow">
         <p:fade/>
       </p:transition>
@@ -10928,6 +11295,50 @@
           </a:prstGeom>
         </p:spPr>
       </p:pic>
+      <p:sp>
+        <p:nvSpPr>
+          <p:cNvPr id="2" name="ZoneTexte 1">
+            <a:extLst>
+              <a:ext uri="{FF2B5EF4-FFF2-40B4-BE49-F238E27FC236}">
+                <a16:creationId xmlns:a16="http://schemas.microsoft.com/office/drawing/2014/main" id="{A9D6DF64-36F5-34D3-34BB-DAF49B33D775}"/>
+              </a:ext>
+            </a:extLst>
+          </p:cNvPr>
+          <p:cNvSpPr txBox="1"/>
+          <p:nvPr/>
+        </p:nvSpPr>
+        <p:spPr>
+          <a:xfrm>
+            <a:off x="139148" y="152400"/>
+            <a:ext cx="4306956" cy="369332"/>
+          </a:xfrm>
+          <a:prstGeom prst="rect">
+            <a:avLst/>
+          </a:prstGeom>
+          <a:noFill/>
+        </p:spPr>
+        <p:txBody>
+          <a:bodyPr wrap="square" rtlCol="0">
+            <a:spAutoFit/>
+          </a:bodyPr>
+          <a:lstStyle/>
+          <a:p>
+            <a:r>
+              <a:rPr lang="fr-FR" b="1" dirty="0">
+                <a:solidFill>
+                  <a:schemeClr val="bg1"/>
+                </a:solidFill>
+              </a:rPr>
+              <a:t>Détection et suivi des phénomènes </a:t>
+            </a:r>
+            <a:endParaRPr lang="en-US" b="1" dirty="0">
+              <a:solidFill>
+                <a:schemeClr val="bg1"/>
+              </a:solidFill>
+            </a:endParaRPr>
+          </a:p>
+        </p:txBody>
+      </p:sp>
     </p:spTree>
     <p:extLst>
       <p:ext uri="{BB962C8B-B14F-4D97-AF65-F5344CB8AC3E}">
@@ -10938,13 +11349,13 @@
   <p:clrMapOvr>
     <a:masterClrMapping/>
   </p:clrMapOvr>
-  <mc:AlternateContent xmlns:mc="http://schemas.openxmlformats.org/markup-compatibility/2006">
-    <mc:Choice xmlns:p159="http://schemas.microsoft.com/office/powerpoint/2015/09/main" Requires="p159">
+  <mc:AlternateContent xmlns:mc="http://schemas.openxmlformats.org/markup-compatibility/2006" xmlns:p159="http://schemas.microsoft.com/office/powerpoint/2015/09/main">
+    <mc:Choice Requires="p159">
       <p:transition xmlns:p14="http://schemas.microsoft.com/office/powerpoint/2010/main" spd="slow" p14:dur="2000">
         <p159:morph option="byObject"/>
       </p:transition>
     </mc:Choice>
-    <mc:Fallback>
+    <mc:Fallback xmlns="">
       <p:transition spd="slow">
         <p:fade/>
       </p:transition>
@@ -11137,6 +11548,50 @@
           </a:prstGeom>
         </p:spPr>
       </p:pic>
+      <p:sp>
+        <p:nvSpPr>
+          <p:cNvPr id="2" name="ZoneTexte 1">
+            <a:extLst>
+              <a:ext uri="{FF2B5EF4-FFF2-40B4-BE49-F238E27FC236}">
+                <a16:creationId xmlns:a16="http://schemas.microsoft.com/office/drawing/2014/main" id="{EF4F7455-3BE0-812E-B07A-70B329B1BC7A}"/>
+              </a:ext>
+            </a:extLst>
+          </p:cNvPr>
+          <p:cNvSpPr txBox="1"/>
+          <p:nvPr/>
+        </p:nvSpPr>
+        <p:spPr>
+          <a:xfrm>
+            <a:off x="139148" y="152400"/>
+            <a:ext cx="4306956" cy="369332"/>
+          </a:xfrm>
+          <a:prstGeom prst="rect">
+            <a:avLst/>
+          </a:prstGeom>
+          <a:noFill/>
+        </p:spPr>
+        <p:txBody>
+          <a:bodyPr wrap="square" rtlCol="0">
+            <a:spAutoFit/>
+          </a:bodyPr>
+          <a:lstStyle/>
+          <a:p>
+            <a:r>
+              <a:rPr lang="fr-FR" b="1" dirty="0">
+                <a:solidFill>
+                  <a:schemeClr val="bg1"/>
+                </a:solidFill>
+              </a:rPr>
+              <a:t>Gestion du code du bâtiment</a:t>
+            </a:r>
+            <a:endParaRPr lang="en-US" b="1" dirty="0">
+              <a:solidFill>
+                <a:schemeClr val="bg1"/>
+              </a:solidFill>
+            </a:endParaRPr>
+          </a:p>
+        </p:txBody>
+      </p:sp>
     </p:spTree>
     <p:extLst>
       <p:ext uri="{BB962C8B-B14F-4D97-AF65-F5344CB8AC3E}">
@@ -11147,13 +11602,13 @@
   <p:clrMapOvr>
     <a:masterClrMapping/>
   </p:clrMapOvr>
-  <mc:AlternateContent xmlns:mc="http://schemas.openxmlformats.org/markup-compatibility/2006">
-    <mc:Choice xmlns:p159="http://schemas.microsoft.com/office/powerpoint/2015/09/main" Requires="p159">
+  <mc:AlternateContent xmlns:mc="http://schemas.openxmlformats.org/markup-compatibility/2006" xmlns:p159="http://schemas.microsoft.com/office/powerpoint/2015/09/main">
+    <mc:Choice Requires="p159">
       <p:transition xmlns:p14="http://schemas.microsoft.com/office/powerpoint/2010/main" spd="slow" p14:dur="2000">
         <p159:morph option="byObject"/>
       </p:transition>
     </mc:Choice>
-    <mc:Fallback>
+    <mc:Fallback xmlns="">
       <p:transition spd="slow">
         <p:fade/>
       </p:transition>
@@ -11219,7 +11674,7 @@
           <a:lstStyle/>
           <a:p>
             <a:pPr algn="ctr"/>
-            <a:endParaRPr lang="en-US"/>
+            <a:endParaRPr lang="en-US" dirty="0"/>
           </a:p>
         </p:txBody>
       </p:sp>
@@ -11346,6 +11801,58 @@
           </a:prstGeom>
         </p:spPr>
       </p:pic>
+      <p:sp>
+        <p:nvSpPr>
+          <p:cNvPr id="2" name="ZoneTexte 1">
+            <a:extLst>
+              <a:ext uri="{FF2B5EF4-FFF2-40B4-BE49-F238E27FC236}">
+                <a16:creationId xmlns:a16="http://schemas.microsoft.com/office/drawing/2014/main" id="{FFB620F1-5AB9-F5B3-1ABE-6810425ACE9D}"/>
+              </a:ext>
+            </a:extLst>
+          </p:cNvPr>
+          <p:cNvSpPr txBox="1"/>
+          <p:nvPr/>
+        </p:nvSpPr>
+        <p:spPr>
+          <a:xfrm>
+            <a:off x="139148" y="152400"/>
+            <a:ext cx="4306956" cy="369332"/>
+          </a:xfrm>
+          <a:prstGeom prst="rect">
+            <a:avLst/>
+          </a:prstGeom>
+          <a:noFill/>
+        </p:spPr>
+        <p:txBody>
+          <a:bodyPr wrap="square" rtlCol="0">
+            <a:spAutoFit/>
+          </a:bodyPr>
+          <a:lstStyle/>
+          <a:p>
+            <a:r>
+              <a:rPr lang="en-US" b="1" dirty="0">
+                <a:solidFill>
+                  <a:schemeClr val="bg1"/>
+                </a:solidFill>
+              </a:rPr>
+              <a:t>Planification des </a:t>
+            </a:r>
+            <a:r>
+              <a:rPr lang="en-US" b="1" dirty="0" err="1">
+                <a:solidFill>
+                  <a:schemeClr val="bg1"/>
+                </a:solidFill>
+              </a:rPr>
+              <a:t>opérations</a:t>
+            </a:r>
+            <a:endParaRPr lang="en-US" b="1" dirty="0">
+              <a:solidFill>
+                <a:schemeClr val="bg1"/>
+              </a:solidFill>
+            </a:endParaRPr>
+          </a:p>
+        </p:txBody>
+      </p:sp>
     </p:spTree>
     <p:extLst>
       <p:ext uri="{BB962C8B-B14F-4D97-AF65-F5344CB8AC3E}">
@@ -11356,13 +11863,13 @@
   <p:clrMapOvr>
     <a:masterClrMapping/>
   </p:clrMapOvr>
-  <mc:AlternateContent xmlns:mc="http://schemas.openxmlformats.org/markup-compatibility/2006">
-    <mc:Choice xmlns:p159="http://schemas.microsoft.com/office/powerpoint/2015/09/main" Requires="p159">
+  <mc:AlternateContent xmlns:mc="http://schemas.openxmlformats.org/markup-compatibility/2006" xmlns:p159="http://schemas.microsoft.com/office/powerpoint/2015/09/main">
+    <mc:Choice Requires="p159">
       <p:transition xmlns:p14="http://schemas.microsoft.com/office/powerpoint/2010/main" spd="slow" p14:dur="2000">
         <p159:morph option="byObject"/>
       </p:transition>
     </mc:Choice>
-    <mc:Fallback>
+    <mc:Fallback xmlns="">
       <p:transition spd="slow">
         <p:fade/>
       </p:transition>
@@ -12218,6 +12725,15 @@
 </file>
 
 <file path=customXml/item1.xml><?xml version="1.0" encoding="utf-8"?>
+<?mso-contentType ?>
+<FormTemplates xmlns="http://schemas.microsoft.com/sharepoint/v3/contenttype/forms">
+  <Display>DocumentLibraryForm</Display>
+  <Edit>DocumentLibraryForm</Edit>
+  <New>DocumentLibraryForm</New>
+</FormTemplates>
+</file>
+
+<file path=customXml/item2.xml><?xml version="1.0" encoding="utf-8"?>
 <p:properties xmlns:p="http://schemas.microsoft.com/office/2006/metadata/properties" xmlns:xsi="http://www.w3.org/2001/XMLSchema-instance" xmlns:pc="http://schemas.microsoft.com/office/infopath/2007/PartnerControls">
   <documentManagement>
     <Status xmlns="71af3243-3dd4-4a8d-8c0d-dd76da1f02a5">Not started</Status>
@@ -12234,15 +12750,6 @@
     <MediaServiceKeyPoints xmlns="71af3243-3dd4-4a8d-8c0d-dd76da1f02a5" xsi:nil="true"/>
   </documentManagement>
 </p:properties>
-</file>
-
-<file path=customXml/item2.xml><?xml version="1.0" encoding="utf-8"?>
-<?mso-contentType ?>
-<FormTemplates xmlns="http://schemas.microsoft.com/sharepoint/v3/contenttype/forms">
-  <Display>DocumentLibraryForm</Display>
-  <Edit>DocumentLibraryForm</Edit>
-  <New>DocumentLibraryForm</New>
-</FormTemplates>
 </file>
 
 <file path=customXml/item3.xml><?xml version="1.0" encoding="utf-8"?>
@@ -12522,6 +13029,14 @@
 </file>
 
 <file path=customXml/itemProps1.xml><?xml version="1.0" encoding="utf-8"?>
+<ds:datastoreItem xmlns:ds="http://schemas.openxmlformats.org/officeDocument/2006/customXml" ds:itemID="{A5CCB28C-7D26-4A36-9CFC-D739C28F3D18}">
+  <ds:schemaRefs>
+    <ds:schemaRef ds:uri="http://schemas.microsoft.com/sharepoint/v3/contenttype/forms"/>
+  </ds:schemaRefs>
+</ds:datastoreItem>
+</file>
+
+<file path=customXml/itemProps2.xml><?xml version="1.0" encoding="utf-8"?>
 <ds:datastoreItem xmlns:ds="http://schemas.openxmlformats.org/officeDocument/2006/customXml" ds:itemID="{08757C30-AE9A-4680-90EB-19D282EC2B7C}">
   <ds:schemaRefs>
     <ds:schemaRef ds:uri="http://schemas.microsoft.com/office/2006/metadata/properties"/>
@@ -12529,14 +13044,6 @@
     <ds:schemaRef ds:uri="71af3243-3dd4-4a8d-8c0d-dd76da1f02a5"/>
     <ds:schemaRef ds:uri="http://schemas.microsoft.com/sharepoint/v3"/>
     <ds:schemaRef ds:uri="230e9df3-be65-4c73-a93b-d1236ebd677e"/>
-  </ds:schemaRefs>
-</ds:datastoreItem>
-</file>
-
-<file path=customXml/itemProps2.xml><?xml version="1.0" encoding="utf-8"?>
-<ds:datastoreItem xmlns:ds="http://schemas.openxmlformats.org/officeDocument/2006/customXml" ds:itemID="{A5CCB28C-7D26-4A36-9CFC-D739C28F3D18}">
-  <ds:schemaRefs>
-    <ds:schemaRef ds:uri="http://schemas.microsoft.com/sharepoint/v3/contenttype/forms"/>
   </ds:schemaRefs>
 </ds:datastoreItem>
 </file>
